--- a/progress ppt/end of semeter 1.pptx
+++ b/progress ppt/end of semeter 1.pptx
@@ -5953,8 +5953,8 @@
         </p:nvSpPr>
         <p:spPr>
           <a:xfrm>
-            <a:off x="677334" y="2160589"/>
-            <a:ext cx="8596668" cy="4180834"/>
+            <a:off x="677334" y="1793174"/>
+            <a:ext cx="8596668" cy="4548249"/>
           </a:xfrm>
         </p:spPr>
         <p:txBody>
@@ -5976,14 +5976,25 @@
           </a:p>
           <a:p>
             <a:r>
+              <a:rPr lang="he-IL"/>
+              <a:t>במשרד בחברה </a:t>
+            </a:r>
+            <a:r>
               <a:rPr lang="he-IL" dirty="0"/>
-              <a:t>במשרד ממוצע בחברה ממוצעת כל אחד רוצה לסיים את המשימה שלו וללכת הביתה כמה שיותר מוקדם, מה שפוגע בתפוקה, בעמידה ביעדים הכוללת של הצוותים</a:t>
+              <a:t>ממוצעת כל אחד רוצה לסיים את המשימה שלו וללכת הביתה כמה שיותר מוקדם, מה שפוגע בתפוקה, בעמידה ביעדים הכוללת של הצוותים</a:t>
             </a:r>
           </a:p>
           <a:p>
             <a:r>
               <a:rPr lang="he-IL" dirty="0"/>
-              <a:t>ככלל אצבע, אינטגרציה בין גורמים שונים היא נקודת חולשה, שבה מתבזבזים משאבים וזמן יקר, וזאת מפני אותה הסיבה, שעובדים </a:t>
+              <a:t>ככלל אצבע, אינטגרציה בין גורמים שונים היא נקודת חולשה, בה מתבזבזים משאבים וזמן יקר. </a:t>
+            </a:r>
+            <a:br>
+              <a:rPr lang="en-US" dirty="0"/>
+            </a:br>
+            <a:r>
+              <a:rPr lang="he-IL" dirty="0"/>
+              <a:t>זאת מפני אותה הסיבה, שעובדים </a:t>
             </a:r>
             <a:r>
               <a:rPr lang="he-IL" dirty="0" err="1"/>
